--- a/Sharing in Communities Demystified.pptx
+++ b/Sharing in Communities Demystified.pptx
@@ -207,7 +207,7 @@
             <a:fld id="{FF0F2CB3-9ADF-BB41-9EA7-22AC6C8A4795}" type="datetimeFigureOut">
               <a:rPr lang="en-US" smtClean="0"/>
               <a:pPr/>
-              <a:t>10/28/13</a:t>
+              <a:t>6/5/15</a:t>
             </a:fld>
             <a:endParaRPr lang="en-US"/>
           </a:p>
@@ -374,7 +374,7 @@
             <a:fld id="{7C806961-16C6-A348-8545-A26A67E00848}" type="datetimeFigureOut">
               <a:rPr lang="en-US" smtClean="0"/>
               <a:pPr/>
-              <a:t>10/28/13</a:t>
+              <a:t>6/5/15</a:t>
             </a:fld>
             <a:endParaRPr lang="en-US"/>
           </a:p>
@@ -7927,12 +7927,16 @@
           </a:lstStyle>
           <a:p>
             <a:r>
-              <a:rPr lang="en-US" sz="1800" dirty="0" smtClean="0">
+              <a:rPr lang="en-US" sz="1800" smtClean="0">
                 <a:ea typeface="ＭＳ Ｐゴシック" charset="0"/>
                 <a:cs typeface="Arial"/>
               </a:rPr>
-              <a:t>Brian Checkoway</a:t>
-            </a:r>
+              <a:t>Guna</a:t>
+            </a:r>
+            <a:endParaRPr lang="en-US" sz="1800" dirty="0" smtClean="0">
+              <a:ea typeface="ＭＳ Ｐゴシック" charset="0"/>
+              <a:cs typeface="Arial"/>
+            </a:endParaRPr>
           </a:p>
           <a:p>
             <a:r>

--- a/Sharing in Communities Demystified.pptx
+++ b/Sharing in Communities Demystified.pptx
@@ -7931,7 +7931,7 @@
                 <a:ea typeface="ＭＳ Ｐゴシック" charset="0"/>
                 <a:cs typeface="Arial"/>
               </a:rPr>
-              <a:t>Guna</a:t>
+              <a:t>Guna </a:t>
             </a:r>
             <a:endParaRPr lang="en-US" sz="1800" dirty="0" smtClean="0">
               <a:ea typeface="ＭＳ Ｐゴシック" charset="0"/>
